--- a/WebContent/HANA/PPT/0605 구현기술 Jane.pptx
+++ b/WebContent/HANA/PPT/0605 구현기술 Jane.pptx
@@ -23,36 +23,6 @@
   </p:sldIdLst>
   <p:sldSz cx="9144000" cy="6858000" type="screen4x3"/>
   <p:notesSz cx="6858000" cy="9144000"/>
-  <p:embeddedFontLst>
-    <p:embeddedFont>
-      <p:font typeface="나눔스퀘어_ac" panose="020B0600000101010101" pitchFamily="50" charset="-127"/>
-      <p:regular r:id="rId15"/>
-    </p:embeddedFont>
-    <p:embeddedFont>
-      <p:font typeface="Consolas" panose="020B0609020204030204" pitchFamily="49" charset="0"/>
-      <p:regular r:id="rId16"/>
-      <p:bold r:id="rId17"/>
-      <p:italic r:id="rId18"/>
-      <p:boldItalic r:id="rId19"/>
-    </p:embeddedFont>
-    <p:embeddedFont>
-      <p:font typeface="타이포_스톰 B" panose="02020503020101020101" pitchFamily="18" charset="-127"/>
-      <p:regular r:id="rId20"/>
-    </p:embeddedFont>
-    <p:embeddedFont>
-      <p:font typeface="나눔스퀘어_ac Bold" panose="020B0600000101010101" pitchFamily="50" charset="-127"/>
-      <p:bold r:id="rId21"/>
-    </p:embeddedFont>
-    <p:embeddedFont>
-      <p:font typeface="나눔스퀘어_ac ExtraBold" panose="020B0600000101010101" pitchFamily="50" charset="-127"/>
-      <p:bold r:id="rId22"/>
-    </p:embeddedFont>
-    <p:embeddedFont>
-      <p:font typeface="맑은 고딕" panose="020B0503020000020004" pitchFamily="50" charset="-127"/>
-      <p:regular r:id="rId23"/>
-      <p:bold r:id="rId24"/>
-    </p:embeddedFont>
-  </p:embeddedFontLst>
   <p:defaultTextStyle>
     <a:defPPr>
       <a:defRPr lang="ko-KR"/>
@@ -150,7 +120,7 @@
   </p:defaultTextStyle>
   <p:extLst>
     <p:ext uri="{EFAFB233-063F-42B5-8137-9DF3F51BA10A}">
-      <p15:sldGuideLst xmlns:p15="http://schemas.microsoft.com/office/powerpoint/2012/main">
+      <p15:sldGuideLst xmlns:p15="http://schemas.microsoft.com/office/powerpoint/2012/main" xmlns="">
         <p15:guide id="1" orient="horz" pos="2160" userDrawn="1">
           <p15:clr>
             <a:srgbClr val="A4A3A4"/>
@@ -9864,7 +9834,7 @@
         </p:nvSpPr>
         <p:spPr>
           <a:xfrm>
-            <a:off x="4349578" y="55735"/>
+            <a:off x="4341340" y="63973"/>
             <a:ext cx="3756454" cy="341870"/>
           </a:xfrm>
           <a:prstGeom prst="rect">
@@ -12943,7 +12913,7 @@
     </a:clrScheme>
     <a:fontScheme name="Office">
       <a:majorFont>
-        <a:latin typeface="맑은 고딕" panose="020F0302020204030204"/>
+        <a:latin typeface="맑은 고딕"/>
         <a:ea typeface=""/>
         <a:cs typeface=""/>
         <a:font script="Jpan" typeface="游ゴシック Light"/>
@@ -12978,7 +12948,7 @@
         <a:font script="Geor" typeface="Sylfaen"/>
       </a:majorFont>
       <a:minorFont>
-        <a:latin typeface="맑은 고딕" panose="020F0502020204030204"/>
+        <a:latin typeface="맑은 고딕"/>
         <a:ea typeface=""/>
         <a:cs typeface=""/>
         <a:font script="Jpan" typeface="游ゴシック"/>
@@ -13155,7 +13125,7 @@
   <a:extraClrSchemeLst/>
   <a:extLst>
     <a:ext uri="{05A4C25C-085E-4340-85A3-A5531E510DB2}">
-      <thm15:themeFamily xmlns:thm15="http://schemas.microsoft.com/office/thememl/2012/main" name="Office Theme" id="{62F939B6-93AF-4DB8-9C6B-D6C7DFDC589F}" vid="{4A3C46E8-61CC-4603-A589-7422A47A8E4A}"/>
+      <thm15:themeFamily xmlns:thm15="http://schemas.microsoft.com/office/thememl/2012/main" xmlns="" name="Office Theme" id="{62F939B6-93AF-4DB8-9C6B-D6C7DFDC589F}" vid="{4A3C46E8-61CC-4603-A589-7422A47A8E4A}"/>
     </a:ext>
   </a:extLst>
 </a:theme>
@@ -13204,7 +13174,7 @@
     </a:clrScheme>
     <a:fontScheme name="Office">
       <a:majorFont>
-        <a:latin typeface="맑은 고딕" panose="020F0302020204030204"/>
+        <a:latin typeface="맑은 고딕"/>
         <a:ea typeface=""/>
         <a:cs typeface=""/>
         <a:font script="Jpan" typeface="游ゴシック Light"/>
@@ -13239,7 +13209,7 @@
         <a:font script="Geor" typeface="Sylfaen"/>
       </a:majorFont>
       <a:minorFont>
-        <a:latin typeface="맑은 고딕" panose="020F0502020204030204"/>
+        <a:latin typeface="맑은 고딕"/>
         <a:ea typeface=""/>
         <a:cs typeface=""/>
         <a:font script="Jpan" typeface="游ゴシック"/>
@@ -13416,7 +13386,7 @@
   <a:extraClrSchemeLst/>
   <a:extLst>
     <a:ext uri="{05A4C25C-085E-4340-85A3-A5531E510DB2}">
-      <thm15:themeFamily xmlns:thm15="http://schemas.microsoft.com/office/thememl/2012/main" name="Office Theme" id="{62F939B6-93AF-4DB8-9C6B-D6C7DFDC589F}" vid="{4A3C46E8-61CC-4603-A589-7422A47A8E4A}"/>
+      <thm15:themeFamily xmlns:thm15="http://schemas.microsoft.com/office/thememl/2012/main" xmlns="" name="Office Theme" id="{62F939B6-93AF-4DB8-9C6B-D6C7DFDC589F}" vid="{4A3C46E8-61CC-4603-A589-7422A47A8E4A}"/>
     </a:ext>
   </a:extLst>
 </a:theme>
@@ -13750,7 +13720,7 @@
     </a:clrScheme>
     <a:fontScheme name="Office">
       <a:majorFont>
-        <a:latin typeface="맑은 고딕" panose="020F0302020204030204"/>
+        <a:latin typeface="맑은 고딕"/>
         <a:ea typeface=""/>
         <a:cs typeface=""/>
         <a:font script="Jpan" typeface="游ゴシック Light"/>
@@ -13785,7 +13755,7 @@
         <a:font script="Geor" typeface="Sylfaen"/>
       </a:majorFont>
       <a:minorFont>
-        <a:latin typeface="맑은 고딕" panose="020F0502020204030204"/>
+        <a:latin typeface="맑은 고딕"/>
         <a:ea typeface=""/>
         <a:cs typeface=""/>
         <a:font script="Jpan" typeface="游ゴシック"/>
@@ -13962,7 +13932,7 @@
   <a:extraClrSchemeLst/>
   <a:extLst>
     <a:ext uri="{05A4C25C-085E-4340-85A3-A5531E510DB2}">
-      <thm15:themeFamily xmlns:thm15="http://schemas.microsoft.com/office/thememl/2012/main" name="Office Theme" id="{62F939B6-93AF-4DB8-9C6B-D6C7DFDC589F}" vid="{4A3C46E8-61CC-4603-A589-7422A47A8E4A}"/>
+      <thm15:themeFamily xmlns:thm15="http://schemas.microsoft.com/office/thememl/2012/main" xmlns="" name="Office Theme" id="{62F939B6-93AF-4DB8-9C6B-D6C7DFDC589F}" vid="{4A3C46E8-61CC-4603-A589-7422A47A8E4A}"/>
     </a:ext>
   </a:extLst>
 </a:theme>

--- a/WebContent/HANA/PPT/0605 구현기술 Jane.pptx
+++ b/WebContent/HANA/PPT/0605 구현기술 Jane.pptx
@@ -23,6 +23,36 @@
   </p:sldIdLst>
   <p:sldSz cx="9144000" cy="6858000" type="screen4x3"/>
   <p:notesSz cx="6858000" cy="9144000"/>
+  <p:embeddedFontLst>
+    <p:embeddedFont>
+      <p:font typeface="나눔스퀘어_ac" panose="020B0600000101010101" pitchFamily="50" charset="-127"/>
+      <p:regular r:id="rId15"/>
+    </p:embeddedFont>
+    <p:embeddedFont>
+      <p:font typeface="Consolas" panose="020B0609020204030204" pitchFamily="49" charset="0"/>
+      <p:regular r:id="rId16"/>
+      <p:bold r:id="rId17"/>
+      <p:italic r:id="rId18"/>
+      <p:boldItalic r:id="rId19"/>
+    </p:embeddedFont>
+    <p:embeddedFont>
+      <p:font typeface="타이포_스톰 B" panose="02020503020101020101" pitchFamily="18" charset="-127"/>
+      <p:regular r:id="rId20"/>
+    </p:embeddedFont>
+    <p:embeddedFont>
+      <p:font typeface="나눔스퀘어_ac Bold" panose="020B0600000101010101" pitchFamily="50" charset="-127"/>
+      <p:bold r:id="rId21"/>
+    </p:embeddedFont>
+    <p:embeddedFont>
+      <p:font typeface="나눔스퀘어_ac ExtraBold" panose="020B0600000101010101" pitchFamily="50" charset="-127"/>
+      <p:bold r:id="rId22"/>
+    </p:embeddedFont>
+    <p:embeddedFont>
+      <p:font typeface="맑은 고딕" panose="020B0503020000020004" pitchFamily="50" charset="-127"/>
+      <p:regular r:id="rId23"/>
+      <p:bold r:id="rId24"/>
+    </p:embeddedFont>
+  </p:embeddedFontLst>
   <p:defaultTextStyle>
     <a:defPPr>
       <a:defRPr lang="ko-KR"/>
@@ -120,7 +150,7 @@
   </p:defaultTextStyle>
   <p:extLst>
     <p:ext uri="{EFAFB233-063F-42B5-8137-9DF3F51BA10A}">
-      <p15:sldGuideLst xmlns:p15="http://schemas.microsoft.com/office/powerpoint/2012/main" xmlns="">
+      <p15:sldGuideLst xmlns:p15="http://schemas.microsoft.com/office/powerpoint/2012/main">
         <p15:guide id="1" orient="horz" pos="2160" userDrawn="1">
           <p15:clr>
             <a:srgbClr val="A4A3A4"/>
@@ -9834,7 +9864,7 @@
         </p:nvSpPr>
         <p:spPr>
           <a:xfrm>
-            <a:off x="4341340" y="63973"/>
+            <a:off x="4349578" y="55735"/>
             <a:ext cx="3756454" cy="341870"/>
           </a:xfrm>
           <a:prstGeom prst="rect">
@@ -12913,7 +12943,7 @@
     </a:clrScheme>
     <a:fontScheme name="Office">
       <a:majorFont>
-        <a:latin typeface="맑은 고딕"/>
+        <a:latin typeface="맑은 고딕" panose="020F0302020204030204"/>
         <a:ea typeface=""/>
         <a:cs typeface=""/>
         <a:font script="Jpan" typeface="游ゴシック Light"/>
@@ -12948,7 +12978,7 @@
         <a:font script="Geor" typeface="Sylfaen"/>
       </a:majorFont>
       <a:minorFont>
-        <a:latin typeface="맑은 고딕"/>
+        <a:latin typeface="맑은 고딕" panose="020F0502020204030204"/>
         <a:ea typeface=""/>
         <a:cs typeface=""/>
         <a:font script="Jpan" typeface="游ゴシック"/>
@@ -13125,7 +13155,7 @@
   <a:extraClrSchemeLst/>
   <a:extLst>
     <a:ext uri="{05A4C25C-085E-4340-85A3-A5531E510DB2}">
-      <thm15:themeFamily xmlns:thm15="http://schemas.microsoft.com/office/thememl/2012/main" xmlns="" name="Office Theme" id="{62F939B6-93AF-4DB8-9C6B-D6C7DFDC589F}" vid="{4A3C46E8-61CC-4603-A589-7422A47A8E4A}"/>
+      <thm15:themeFamily xmlns:thm15="http://schemas.microsoft.com/office/thememl/2012/main" name="Office Theme" id="{62F939B6-93AF-4DB8-9C6B-D6C7DFDC589F}" vid="{4A3C46E8-61CC-4603-A589-7422A47A8E4A}"/>
     </a:ext>
   </a:extLst>
 </a:theme>
@@ -13174,7 +13204,7 @@
     </a:clrScheme>
     <a:fontScheme name="Office">
       <a:majorFont>
-        <a:latin typeface="맑은 고딕"/>
+        <a:latin typeface="맑은 고딕" panose="020F0302020204030204"/>
         <a:ea typeface=""/>
         <a:cs typeface=""/>
         <a:font script="Jpan" typeface="游ゴシック Light"/>
@@ -13209,7 +13239,7 @@
         <a:font script="Geor" typeface="Sylfaen"/>
       </a:majorFont>
       <a:minorFont>
-        <a:latin typeface="맑은 고딕"/>
+        <a:latin typeface="맑은 고딕" panose="020F0502020204030204"/>
         <a:ea typeface=""/>
         <a:cs typeface=""/>
         <a:font script="Jpan" typeface="游ゴシック"/>
@@ -13386,7 +13416,7 @@
   <a:extraClrSchemeLst/>
   <a:extLst>
     <a:ext uri="{05A4C25C-085E-4340-85A3-A5531E510DB2}">
-      <thm15:themeFamily xmlns:thm15="http://schemas.microsoft.com/office/thememl/2012/main" xmlns="" name="Office Theme" id="{62F939B6-93AF-4DB8-9C6B-D6C7DFDC589F}" vid="{4A3C46E8-61CC-4603-A589-7422A47A8E4A}"/>
+      <thm15:themeFamily xmlns:thm15="http://schemas.microsoft.com/office/thememl/2012/main" name="Office Theme" id="{62F939B6-93AF-4DB8-9C6B-D6C7DFDC589F}" vid="{4A3C46E8-61CC-4603-A589-7422A47A8E4A}"/>
     </a:ext>
   </a:extLst>
 </a:theme>
@@ -13720,7 +13750,7 @@
     </a:clrScheme>
     <a:fontScheme name="Office">
       <a:majorFont>
-        <a:latin typeface="맑은 고딕"/>
+        <a:latin typeface="맑은 고딕" panose="020F0302020204030204"/>
         <a:ea typeface=""/>
         <a:cs typeface=""/>
         <a:font script="Jpan" typeface="游ゴシック Light"/>
@@ -13755,7 +13785,7 @@
         <a:font script="Geor" typeface="Sylfaen"/>
       </a:majorFont>
       <a:minorFont>
-        <a:latin typeface="맑은 고딕"/>
+        <a:latin typeface="맑은 고딕" panose="020F0502020204030204"/>
         <a:ea typeface=""/>
         <a:cs typeface=""/>
         <a:font script="Jpan" typeface="游ゴシック"/>
@@ -13932,7 +13962,7 @@
   <a:extraClrSchemeLst/>
   <a:extLst>
     <a:ext uri="{05A4C25C-085E-4340-85A3-A5531E510DB2}">
-      <thm15:themeFamily xmlns:thm15="http://schemas.microsoft.com/office/thememl/2012/main" xmlns="" name="Office Theme" id="{62F939B6-93AF-4DB8-9C6B-D6C7DFDC589F}" vid="{4A3C46E8-61CC-4603-A589-7422A47A8E4A}"/>
+      <thm15:themeFamily xmlns:thm15="http://schemas.microsoft.com/office/thememl/2012/main" name="Office Theme" id="{62F939B6-93AF-4DB8-9C6B-D6C7DFDC589F}" vid="{4A3C46E8-61CC-4603-A589-7422A47A8E4A}"/>
     </a:ext>
   </a:extLst>
 </a:theme>
